--- a/story/dimitry_pt1.pptx
+++ b/story/dimitry_pt1.pptx
@@ -256,7 +256,7 @@
           <a:p>
             <a:fld id="{A0CD44C1-4ED5-49F1-898A-C28385B76BAD}" type="datetimeFigureOut">
               <a:rPr lang="en-US" smtClean="0"/>
-              <a:t>4/16/2021</a:t>
+              <a:t>5/7/2021</a:t>
             </a:fld>
             <a:endParaRPr lang="en-US"/>
           </a:p>
@@ -426,7 +426,7 @@
           <a:p>
             <a:fld id="{A0CD44C1-4ED5-49F1-898A-C28385B76BAD}" type="datetimeFigureOut">
               <a:rPr lang="en-US" smtClean="0"/>
-              <a:t>4/16/2021</a:t>
+              <a:t>5/7/2021</a:t>
             </a:fld>
             <a:endParaRPr lang="en-US"/>
           </a:p>
@@ -606,7 +606,7 @@
           <a:p>
             <a:fld id="{A0CD44C1-4ED5-49F1-898A-C28385B76BAD}" type="datetimeFigureOut">
               <a:rPr lang="en-US" smtClean="0"/>
-              <a:t>4/16/2021</a:t>
+              <a:t>5/7/2021</a:t>
             </a:fld>
             <a:endParaRPr lang="en-US"/>
           </a:p>
@@ -776,7 +776,7 @@
           <a:p>
             <a:fld id="{A0CD44C1-4ED5-49F1-898A-C28385B76BAD}" type="datetimeFigureOut">
               <a:rPr lang="en-US" smtClean="0"/>
-              <a:t>4/16/2021</a:t>
+              <a:t>5/7/2021</a:t>
             </a:fld>
             <a:endParaRPr lang="en-US"/>
           </a:p>
@@ -1022,7 +1022,7 @@
           <a:p>
             <a:fld id="{A0CD44C1-4ED5-49F1-898A-C28385B76BAD}" type="datetimeFigureOut">
               <a:rPr lang="en-US" smtClean="0"/>
-              <a:t>4/16/2021</a:t>
+              <a:t>5/7/2021</a:t>
             </a:fld>
             <a:endParaRPr lang="en-US"/>
           </a:p>
@@ -1254,7 +1254,7 @@
           <a:p>
             <a:fld id="{A0CD44C1-4ED5-49F1-898A-C28385B76BAD}" type="datetimeFigureOut">
               <a:rPr lang="en-US" smtClean="0"/>
-              <a:t>4/16/2021</a:t>
+              <a:t>5/7/2021</a:t>
             </a:fld>
             <a:endParaRPr lang="en-US"/>
           </a:p>
@@ -1621,7 +1621,7 @@
           <a:p>
             <a:fld id="{A0CD44C1-4ED5-49F1-898A-C28385B76BAD}" type="datetimeFigureOut">
               <a:rPr lang="en-US" smtClean="0"/>
-              <a:t>4/16/2021</a:t>
+              <a:t>5/7/2021</a:t>
             </a:fld>
             <a:endParaRPr lang="en-US"/>
           </a:p>
@@ -1739,7 +1739,7 @@
           <a:p>
             <a:fld id="{A0CD44C1-4ED5-49F1-898A-C28385B76BAD}" type="datetimeFigureOut">
               <a:rPr lang="en-US" smtClean="0"/>
-              <a:t>4/16/2021</a:t>
+              <a:t>5/7/2021</a:t>
             </a:fld>
             <a:endParaRPr lang="en-US"/>
           </a:p>
@@ -1834,7 +1834,7 @@
           <a:p>
             <a:fld id="{A0CD44C1-4ED5-49F1-898A-C28385B76BAD}" type="datetimeFigureOut">
               <a:rPr lang="en-US" smtClean="0"/>
-              <a:t>4/16/2021</a:t>
+              <a:t>5/7/2021</a:t>
             </a:fld>
             <a:endParaRPr lang="en-US"/>
           </a:p>
@@ -2111,7 +2111,7 @@
           <a:p>
             <a:fld id="{A0CD44C1-4ED5-49F1-898A-C28385B76BAD}" type="datetimeFigureOut">
               <a:rPr lang="en-US" smtClean="0"/>
-              <a:t>4/16/2021</a:t>
+              <a:t>5/7/2021</a:t>
             </a:fld>
             <a:endParaRPr lang="en-US"/>
           </a:p>
@@ -2364,7 +2364,7 @@
           <a:p>
             <a:fld id="{A0CD44C1-4ED5-49F1-898A-C28385B76BAD}" type="datetimeFigureOut">
               <a:rPr lang="en-US" smtClean="0"/>
-              <a:t>4/16/2021</a:t>
+              <a:t>5/7/2021</a:t>
             </a:fld>
             <a:endParaRPr lang="en-US"/>
           </a:p>
@@ -2577,7 +2577,7 @@
           <a:p>
             <a:fld id="{A0CD44C1-4ED5-49F1-898A-C28385B76BAD}" type="datetimeFigureOut">
               <a:rPr lang="en-US" smtClean="0"/>
-              <a:t>4/16/2021</a:t>
+              <a:t>5/7/2021</a:t>
             </a:fld>
             <a:endParaRPr lang="en-US"/>
           </a:p>
@@ -4303,13 +4303,31 @@
               <a:t>to the hash generator as </a:t>
             </a:r>
             <a:r>
+              <a:rPr lang="hu-HU" smtClean="0">
+                <a:solidFill>
+                  <a:schemeClr val="bg1"/>
+                </a:solidFill>
+                <a:latin typeface="Bahnschrift Light" panose="020B0502040204020203" pitchFamily="34" charset="0"/>
+              </a:rPr>
+              <a:t>a </a:t>
+            </a:r>
+            <a:r>
+              <a:rPr lang="hu-HU" smtClean="0">
+                <a:solidFill>
+                  <a:schemeClr val="bg1"/>
+                </a:solidFill>
+                <a:latin typeface="Bahnschrift Light" panose="020B0502040204020203" pitchFamily="34" charset="0"/>
+              </a:rPr>
+              <a:t>12V|12VACC|K|GND|CAN-L|CAN-H </a:t>
+            </a:r>
+            <a:r>
               <a:rPr lang="hu-HU" dirty="0" smtClean="0">
                 <a:solidFill>
                   <a:schemeClr val="bg1"/>
                 </a:solidFill>
                 <a:latin typeface="Bahnschrift Light" panose="020B0502040204020203" pitchFamily="34" charset="0"/>
               </a:rPr>
-              <a:t>a 12V|12VACC|GND|CAN-L|CAN-H format.</a:t>
+              <a:t>format.</a:t>
             </a:r>
           </a:p>
           <a:p>

--- a/story/dimitry_pt1.pptx
+++ b/story/dimitry_pt1.pptx
@@ -256,7 +256,7 @@
           <a:p>
             <a:fld id="{A0CD44C1-4ED5-49F1-898A-C28385B76BAD}" type="datetimeFigureOut">
               <a:rPr lang="en-US" smtClean="0"/>
-              <a:t>5/7/2021</a:t>
+              <a:t>7/22/2021</a:t>
             </a:fld>
             <a:endParaRPr lang="en-US"/>
           </a:p>
@@ -426,7 +426,7 @@
           <a:p>
             <a:fld id="{A0CD44C1-4ED5-49F1-898A-C28385B76BAD}" type="datetimeFigureOut">
               <a:rPr lang="en-US" smtClean="0"/>
-              <a:t>5/7/2021</a:t>
+              <a:t>7/22/2021</a:t>
             </a:fld>
             <a:endParaRPr lang="en-US"/>
           </a:p>
@@ -606,7 +606,7 @@
           <a:p>
             <a:fld id="{A0CD44C1-4ED5-49F1-898A-C28385B76BAD}" type="datetimeFigureOut">
               <a:rPr lang="en-US" smtClean="0"/>
-              <a:t>5/7/2021</a:t>
+              <a:t>7/22/2021</a:t>
             </a:fld>
             <a:endParaRPr lang="en-US"/>
           </a:p>
@@ -776,7 +776,7 @@
           <a:p>
             <a:fld id="{A0CD44C1-4ED5-49F1-898A-C28385B76BAD}" type="datetimeFigureOut">
               <a:rPr lang="en-US" smtClean="0"/>
-              <a:t>5/7/2021</a:t>
+              <a:t>7/22/2021</a:t>
             </a:fld>
             <a:endParaRPr lang="en-US"/>
           </a:p>
@@ -1022,7 +1022,7 @@
           <a:p>
             <a:fld id="{A0CD44C1-4ED5-49F1-898A-C28385B76BAD}" type="datetimeFigureOut">
               <a:rPr lang="en-US" smtClean="0"/>
-              <a:t>5/7/2021</a:t>
+              <a:t>7/22/2021</a:t>
             </a:fld>
             <a:endParaRPr lang="en-US"/>
           </a:p>
@@ -1254,7 +1254,7 @@
           <a:p>
             <a:fld id="{A0CD44C1-4ED5-49F1-898A-C28385B76BAD}" type="datetimeFigureOut">
               <a:rPr lang="en-US" smtClean="0"/>
-              <a:t>5/7/2021</a:t>
+              <a:t>7/22/2021</a:t>
             </a:fld>
             <a:endParaRPr lang="en-US"/>
           </a:p>
@@ -1621,7 +1621,7 @@
           <a:p>
             <a:fld id="{A0CD44C1-4ED5-49F1-898A-C28385B76BAD}" type="datetimeFigureOut">
               <a:rPr lang="en-US" smtClean="0"/>
-              <a:t>5/7/2021</a:t>
+              <a:t>7/22/2021</a:t>
             </a:fld>
             <a:endParaRPr lang="en-US"/>
           </a:p>
@@ -1739,7 +1739,7 @@
           <a:p>
             <a:fld id="{A0CD44C1-4ED5-49F1-898A-C28385B76BAD}" type="datetimeFigureOut">
               <a:rPr lang="en-US" smtClean="0"/>
-              <a:t>5/7/2021</a:t>
+              <a:t>7/22/2021</a:t>
             </a:fld>
             <a:endParaRPr lang="en-US"/>
           </a:p>
@@ -1834,7 +1834,7 @@
           <a:p>
             <a:fld id="{A0CD44C1-4ED5-49F1-898A-C28385B76BAD}" type="datetimeFigureOut">
               <a:rPr lang="en-US" smtClean="0"/>
-              <a:t>5/7/2021</a:t>
+              <a:t>7/22/2021</a:t>
             </a:fld>
             <a:endParaRPr lang="en-US"/>
           </a:p>
@@ -2111,7 +2111,7 @@
           <a:p>
             <a:fld id="{A0CD44C1-4ED5-49F1-898A-C28385B76BAD}" type="datetimeFigureOut">
               <a:rPr lang="en-US" smtClean="0"/>
-              <a:t>5/7/2021</a:t>
+              <a:t>7/22/2021</a:t>
             </a:fld>
             <a:endParaRPr lang="en-US"/>
           </a:p>
@@ -2364,7 +2364,7 @@
           <a:p>
             <a:fld id="{A0CD44C1-4ED5-49F1-898A-C28385B76BAD}" type="datetimeFigureOut">
               <a:rPr lang="en-US" smtClean="0"/>
-              <a:t>5/7/2021</a:t>
+              <a:t>7/22/2021</a:t>
             </a:fld>
             <a:endParaRPr lang="en-US"/>
           </a:p>
@@ -2577,7 +2577,7 @@
           <a:p>
             <a:fld id="{A0CD44C1-4ED5-49F1-898A-C28385B76BAD}" type="datetimeFigureOut">
               <a:rPr lang="en-US" smtClean="0"/>
-              <a:t>5/7/2021</a:t>
+              <a:t>7/22/2021</a:t>
             </a:fld>
             <a:endParaRPr lang="en-US"/>
           </a:p>
@@ -3991,7 +3991,7 @@
         </p:spPr>
         <p:txBody>
           <a:bodyPr>
-            <a:normAutofit fontScale="92500" lnSpcReduction="10000"/>
+            <a:normAutofit fontScale="92500" lnSpcReduction="20000"/>
           </a:bodyPr>
           <a:lstStyle/>
           <a:p>
@@ -4303,31 +4303,13 @@
               <a:t>to the hash generator as </a:t>
             </a:r>
             <a:r>
-              <a:rPr lang="hu-HU" smtClean="0">
-                <a:solidFill>
-                  <a:schemeClr val="bg1"/>
-                </a:solidFill>
-                <a:latin typeface="Bahnschrift Light" panose="020B0502040204020203" pitchFamily="34" charset="0"/>
-              </a:rPr>
-              <a:t>a </a:t>
-            </a:r>
-            <a:r>
-              <a:rPr lang="hu-HU" smtClean="0">
-                <a:solidFill>
-                  <a:schemeClr val="bg1"/>
-                </a:solidFill>
-                <a:latin typeface="Bahnschrift Light" panose="020B0502040204020203" pitchFamily="34" charset="0"/>
-              </a:rPr>
-              <a:t>12V|12VACC|K|GND|CAN-L|CAN-H </a:t>
-            </a:r>
-            <a:r>
               <a:rPr lang="hu-HU" dirty="0" smtClean="0">
                 <a:solidFill>
                   <a:schemeClr val="bg1"/>
                 </a:solidFill>
                 <a:latin typeface="Bahnschrift Light" panose="020B0502040204020203" pitchFamily="34" charset="0"/>
               </a:rPr>
-              <a:t>format.</a:t>
+              <a:t>a 12V|12VACC|K|GND|CAN-L|CAN-H format.</a:t>
             </a:r>
           </a:p>
           <a:p>
@@ -4347,7 +4329,79 @@
                 </a:solidFill>
                 <a:latin typeface="Bahnschrift Light" panose="020B0502040204020203" pitchFamily="34" charset="0"/>
               </a:rPr>
-              <a:t>: 12V is pin 2, 12V ACC is pin 78, GND is pin5, CAN-L is pin22, CAN-H is pin99. </a:t>
+              <a:t>: 12V is pin 2, 12V ACC is pin 78, </a:t>
+            </a:r>
+            <a:r>
+              <a:rPr lang="hu-HU" i="1" dirty="0" smtClean="0">
+                <a:solidFill>
+                  <a:schemeClr val="bg1"/>
+                </a:solidFill>
+                <a:latin typeface="Bahnschrift Light" panose="020B0502040204020203" pitchFamily="34" charset="0"/>
+              </a:rPr>
+              <a:t>K pin is pin 11, GND </a:t>
+            </a:r>
+            <a:r>
+              <a:rPr lang="hu-HU" i="1" dirty="0" smtClean="0">
+                <a:solidFill>
+                  <a:schemeClr val="bg1"/>
+                </a:solidFill>
+                <a:latin typeface="Bahnschrift Light" panose="020B0502040204020203" pitchFamily="34" charset="0"/>
+              </a:rPr>
+              <a:t>is </a:t>
+            </a:r>
+            <a:r>
+              <a:rPr lang="hu-HU" i="1" dirty="0" smtClean="0">
+                <a:solidFill>
+                  <a:schemeClr val="bg1"/>
+                </a:solidFill>
+                <a:latin typeface="Bahnschrift Light" panose="020B0502040204020203" pitchFamily="34" charset="0"/>
+              </a:rPr>
+              <a:t>pin 5</a:t>
+            </a:r>
+            <a:r>
+              <a:rPr lang="hu-HU" i="1" dirty="0" smtClean="0">
+                <a:solidFill>
+                  <a:schemeClr val="bg1"/>
+                </a:solidFill>
+                <a:latin typeface="Bahnschrift Light" panose="020B0502040204020203" pitchFamily="34" charset="0"/>
+              </a:rPr>
+              <a:t>, CAN-L is </a:t>
+            </a:r>
+            <a:r>
+              <a:rPr lang="hu-HU" i="1" dirty="0" smtClean="0">
+                <a:solidFill>
+                  <a:schemeClr val="bg1"/>
+                </a:solidFill>
+                <a:latin typeface="Bahnschrift Light" panose="020B0502040204020203" pitchFamily="34" charset="0"/>
+              </a:rPr>
+              <a:t>pin 22</a:t>
+            </a:r>
+            <a:r>
+              <a:rPr lang="hu-HU" i="1" dirty="0" smtClean="0">
+                <a:solidFill>
+                  <a:schemeClr val="bg1"/>
+                </a:solidFill>
+                <a:latin typeface="Bahnschrift Light" panose="020B0502040204020203" pitchFamily="34" charset="0"/>
+              </a:rPr>
+              <a:t>, CAN-H is </a:t>
+            </a:r>
+            <a:r>
+              <a:rPr lang="hu-HU" i="1" dirty="0" smtClean="0">
+                <a:solidFill>
+                  <a:schemeClr val="bg1"/>
+                </a:solidFill>
+                <a:latin typeface="Bahnschrift Light" panose="020B0502040204020203" pitchFamily="34" charset="0"/>
+              </a:rPr>
+              <a:t>pin 99</a:t>
+            </a:r>
+            <a:r>
+              <a:rPr lang="hu-HU" i="1" dirty="0" smtClean="0">
+                <a:solidFill>
+                  <a:schemeClr val="bg1"/>
+                </a:solidFill>
+                <a:latin typeface="Bahnschrift Light" panose="020B0502040204020203" pitchFamily="34" charset="0"/>
+              </a:rPr>
+              <a:t>. </a:t>
             </a:r>
             <a:r>
               <a:rPr lang="en-US" i="1" dirty="0" smtClean="0">
@@ -4386,13 +4440,13 @@
               <a:t>d give </a:t>
             </a:r>
             <a:r>
-              <a:rPr lang="hu-HU" i="1" dirty="0" smtClean="0">
-                <a:solidFill>
-                  <a:schemeClr val="bg1"/>
-                </a:solidFill>
-                <a:latin typeface="Bahnschrift Light" panose="020B0502040204020203" pitchFamily="34" charset="0"/>
-              </a:rPr>
-              <a:t>27852299 </a:t>
+              <a:rPr lang="hu-HU" i="1" smtClean="0">
+                <a:solidFill>
+                  <a:schemeClr val="bg1"/>
+                </a:solidFill>
+                <a:latin typeface="Bahnschrift Light" panose="020B0502040204020203" pitchFamily="34" charset="0"/>
+              </a:rPr>
+              <a:t>2781152299 </a:t>
             </a:r>
             <a:r>
               <a:rPr lang="en-US" i="1" dirty="0" smtClean="0">
@@ -4600,7 +4654,7 @@
         </p:spPr>
         <p:txBody>
           <a:bodyPr>
-            <a:normAutofit/>
+            <a:normAutofit lnSpcReduction="10000"/>
           </a:bodyPr>
           <a:lstStyle/>
           <a:p>
@@ -6759,7 +6813,7 @@
         </p:spPr>
         <p:txBody>
           <a:bodyPr>
-            <a:normAutofit/>
+            <a:normAutofit lnSpcReduction="10000"/>
           </a:bodyPr>
           <a:lstStyle/>
           <a:p>
